--- a/Songs/Remembrance/Remembrance.pptx
+++ b/Songs/Remembrance/Remembrance.pptx
@@ -206,7 +206,7 @@
           <a:p>
             <a:fld id="{A9384D19-4441-405A-A897-182ECCA016BA}" type="datetimeFigureOut">
               <a:rPr lang="en-AU" smtClean="0"/>
-              <a:t>27/10/2023</a:t>
+              <a:t>17/11/2023</a:t>
             </a:fld>
             <a:endParaRPr lang="en-AU"/>
           </a:p>
@@ -1717,7 +1717,7 @@
           <a:p>
             <a:fld id="{1160EA64-D806-43AC-9DF2-F8C432F32B4C}" type="datetimeFigureOut">
               <a:rPr lang="en-US" dirty="0"/>
-              <a:t>10/27/23</a:t>
+              <a:t>11/17/23</a:t>
             </a:fld>
             <a:endParaRPr lang="en-US" dirty="0"/>
           </a:p>
@@ -1889,7 +1889,7 @@
           <a:p>
             <a:fld id="{E9F9C37B-1D36-470B-8223-D6C91242EC14}" type="datetimeFigureOut">
               <a:rPr lang="en-US" dirty="0"/>
-              <a:t>10/27/23</a:t>
+              <a:t>11/17/23</a:t>
             </a:fld>
             <a:endParaRPr lang="en-US" dirty="0"/>
           </a:p>
@@ -2070,7 +2070,7 @@
           <a:p>
             <a:fld id="{67C6F52A-A82B-47A2-A83A-8C4C91F2D59F}" type="datetimeFigureOut">
               <a:rPr lang="en-US" dirty="0"/>
-              <a:t>10/27/23</a:t>
+              <a:t>11/17/23</a:t>
             </a:fld>
             <a:endParaRPr lang="en-US" dirty="0"/>
           </a:p>
@@ -5852,7 +5852,7 @@
           <a:p>
             <a:fld id="{F070A7B3-6521-4DCA-87E5-044747A908C1}" type="datetimeFigureOut">
               <a:rPr lang="en-US" dirty="0"/>
-              <a:t>10/27/23</a:t>
+              <a:t>11/17/23</a:t>
             </a:fld>
             <a:endParaRPr lang="en-US" dirty="0"/>
           </a:p>
@@ -6122,7 +6122,7 @@
           <a:p>
             <a:fld id="{1160EA64-D806-43AC-9DF2-F8C432F32B4C}" type="datetimeFigureOut">
               <a:rPr lang="en-US" dirty="0"/>
-              <a:t>10/27/23</a:t>
+              <a:t>11/17/23</a:t>
             </a:fld>
             <a:endParaRPr lang="en-US" dirty="0"/>
           </a:p>
@@ -6356,7 +6356,7 @@
           <a:p>
             <a:fld id="{AB134690-1557-4C89-A502-4959FE7FAD70}" type="datetimeFigureOut">
               <a:rPr lang="en-US" dirty="0"/>
-              <a:t>10/27/23</a:t>
+              <a:t>11/17/23</a:t>
             </a:fld>
             <a:endParaRPr lang="en-US" dirty="0"/>
           </a:p>
@@ -6716,7 +6716,7 @@
           <a:p>
             <a:fld id="{4F7D4976-E339-4826-83B7-FBD03F55ECF8}" type="datetimeFigureOut">
               <a:rPr lang="en-US" dirty="0"/>
-              <a:t>10/27/23</a:t>
+              <a:t>11/17/23</a:t>
             </a:fld>
             <a:endParaRPr lang="en-US" dirty="0"/>
           </a:p>
@@ -6858,7 +6858,7 @@
           <a:p>
             <a:fld id="{E1037C31-9E7A-4F99-8774-A0E530DE1A42}" type="datetimeFigureOut">
               <a:rPr lang="en-US" dirty="0"/>
-              <a:t>10/27/23</a:t>
+              <a:t>11/17/23</a:t>
             </a:fld>
             <a:endParaRPr lang="en-US" dirty="0"/>
           </a:p>
@@ -6954,7 +6954,7 @@
           <a:p>
             <a:fld id="{C278504F-A551-4DE0-9316-4DCD1D8CC752}" type="datetimeFigureOut">
               <a:rPr lang="en-US" dirty="0"/>
-              <a:t>10/27/23</a:t>
+              <a:t>11/17/23</a:t>
             </a:fld>
             <a:endParaRPr lang="en-US" dirty="0"/>
           </a:p>
@@ -7311,7 +7311,7 @@
           <a:p>
             <a:fld id="{D1BE4249-C0D0-4B06-8692-E8BB871AF643}" type="datetimeFigureOut">
               <a:rPr lang="en-US" dirty="0"/>
-              <a:t>10/27/23</a:t>
+              <a:t>11/17/23</a:t>
             </a:fld>
             <a:endParaRPr lang="en-US" dirty="0"/>
           </a:p>
@@ -7669,7 +7669,7 @@
           <a:p>
             <a:fld id="{042B0DB6-F5C7-45FB-8CF3-31B45F9C2DAC}" type="datetimeFigureOut">
               <a:rPr lang="en-US" dirty="0"/>
-              <a:t>10/27/23</a:t>
+              <a:t>11/17/23</a:t>
             </a:fld>
             <a:endParaRPr lang="en-US" dirty="0"/>
           </a:p>
@@ -7912,7 +7912,7 @@
           <a:p>
             <a:fld id="{1160EA64-D806-43AC-9DF2-F8C432F32B4C}" type="datetimeFigureOut">
               <a:rPr lang="en-US" dirty="0"/>
-              <a:t>10/27/23</a:t>
+              <a:t>11/17/23</a:t>
             </a:fld>
             <a:endParaRPr lang="en-US" dirty="0"/>
           </a:p>
@@ -8395,8 +8395,8 @@
           <a:p>
             <a:pPr lvl="0"/>
             <a:r>
-              <a:rPr lang="en-US" dirty="0"/>
-              <a:t>Template</a:t>
+              <a:rPr lang="en-AU" dirty="0"/>
+              <a:t>Remembrance</a:t>
             </a:r>
             <a:endParaRPr dirty="0"/>
           </a:p>
@@ -8432,7 +8432,51 @@
             </a:pPr>
             <a:r>
               <a:rPr lang="en-US" sz="1467" dirty="0"/>
-              <a:t>CCLI</a:t>
+              <a:t>CCLI: Benjamin Hastings, Chris Davenport</a:t>
+            </a:r>
+          </a:p>
+          <a:p>
+            <a:pPr marL="0" indent="0">
+              <a:buNone/>
+            </a:pPr>
+            <a:r>
+              <a:rPr lang="en-US" sz="1467" dirty="0"/>
+              <a:t>©2017 Hillsong MP Songs (Admin. by Hillsong Music Publishing Australia)</a:t>
+            </a:r>
+          </a:p>
+          <a:p>
+            <a:pPr marL="0" indent="0">
+              <a:buNone/>
+            </a:pPr>
+            <a:r>
+              <a:rPr lang="en-US" sz="1467" dirty="0"/>
+              <a:t>Hillsong Music Publishing Australia</a:t>
+            </a:r>
+          </a:p>
+          <a:p>
+            <a:pPr marL="0" indent="0">
+              <a:buNone/>
+            </a:pPr>
+            <a:r>
+              <a:rPr lang="en-US" sz="1467" dirty="0"/>
+              <a:t>CCLI </a:t>
+            </a:r>
+            <a:r>
+              <a:rPr lang="en-US" sz="1467" dirty="0" err="1"/>
+              <a:t>Licence</a:t>
+            </a:r>
+            <a:r>
+              <a:rPr lang="en-US" sz="1467" dirty="0"/>
+              <a:t> No. 5485849</a:t>
+            </a:r>
+          </a:p>
+          <a:p>
+            <a:pPr marL="0" indent="0">
+              <a:buNone/>
+            </a:pPr>
+            <a:r>
+              <a:rPr lang="en-US" sz="1467" dirty="0"/>
+              <a:t>7102398</a:t>
             </a:r>
             <a:endParaRPr sz="1467" dirty="0"/>
           </a:p>

--- a/Songs/Remembrance/Remembrance.pptx
+++ b/Songs/Remembrance/Remembrance.pptx
@@ -5,7 +5,7 @@
     <p:sldMasterId id="2147483681" r:id="rId1"/>
   </p:sldMasterIdLst>
   <p:notesMasterIdLst>
-    <p:notesMasterId r:id="rId12"/>
+    <p:notesMasterId r:id="rId13"/>
   </p:notesMasterIdLst>
   <p:sldIdLst>
     <p:sldId id="261" r:id="rId2"/>
@@ -13,11 +13,12 @@
     <p:sldId id="468" r:id="rId4"/>
     <p:sldId id="470" r:id="rId5"/>
     <p:sldId id="356" r:id="rId6"/>
-    <p:sldId id="357" r:id="rId7"/>
-    <p:sldId id="478" r:id="rId8"/>
+    <p:sldId id="479" r:id="rId7"/>
+    <p:sldId id="480" r:id="rId8"/>
     <p:sldId id="359" r:id="rId9"/>
     <p:sldId id="476" r:id="rId10"/>
     <p:sldId id="477" r:id="rId11"/>
+    <p:sldId id="481" r:id="rId12"/>
   </p:sldIdLst>
   <p:sldSz cx="12192000" cy="6858000"/>
   <p:notesSz cx="6858000" cy="9144000"/>
@@ -206,7 +207,7 @@
           <a:p>
             <a:fld id="{A9384D19-4441-405A-A897-182ECCA016BA}" type="datetimeFigureOut">
               <a:rPr lang="en-AU" smtClean="0"/>
-              <a:t>17/11/2023</a:t>
+              <a:t>28/1/2024</a:t>
             </a:fld>
             <a:endParaRPr lang="en-AU"/>
           </a:p>
@@ -687,12 +688,18 @@
 </p:notes>
 </file>
 
-<file path=ppt/notesSlides/notesSlide2.xml><?xml version="1.0" encoding="utf-8"?>
+<file path=ppt/notesSlides/notesSlide11.xml><?xml version="1.0" encoding="utf-8"?>
 <p:notes xmlns:a="http://schemas.openxmlformats.org/drawingml/2006/main" xmlns:r="http://schemas.openxmlformats.org/officeDocument/2006/relationships" xmlns:p="http://schemas.openxmlformats.org/presentationml/2006/main" showMasterSp="0" showMasterPhAnim="0">
   <p:cSld>
     <p:spTree>
       <p:nvGrpSpPr>
-        <p:cNvPr id="1" name="Shape 1059"/>
+        <p:cNvPr id="1" name="Shape 1059">
+          <a:extLst>
+            <a:ext uri="{FF2B5EF4-FFF2-40B4-BE49-F238E27FC236}">
+              <a16:creationId xmlns:a16="http://schemas.microsoft.com/office/drawing/2014/main" id="{2B9498CA-E33F-7F9A-EB1B-C187B17497E0}"/>
+            </a:ext>
+          </a:extLst>
+        </p:cNvPr>
         <p:cNvGrpSpPr/>
         <p:nvPr/>
       </p:nvGrpSpPr>
@@ -706,7 +713,13 @@
       </p:grpSpPr>
       <p:sp>
         <p:nvSpPr>
-          <p:cNvPr id="1060" name="Google Shape;1060;g1161f6db217_0_321:notes"/>
+          <p:cNvPr id="1060" name="Google Shape;1060;g1161f6db217_0_321:notes">
+            <a:extLst>
+              <a:ext uri="{FF2B5EF4-FFF2-40B4-BE49-F238E27FC236}">
+                <a16:creationId xmlns:a16="http://schemas.microsoft.com/office/drawing/2014/main" id="{B817CDBA-9DF5-E8C0-5C3E-4B8AB72494C7}"/>
+              </a:ext>
+            </a:extLst>
+          </p:cNvPr>
           <p:cNvSpPr>
             <a:spLocks noGrp="1" noRot="1" noChangeAspect="1"/>
           </p:cNvSpPr>
@@ -747,7 +760,13 @@
       </p:sp>
       <p:sp>
         <p:nvSpPr>
-          <p:cNvPr id="1061" name="Google Shape;1061;g1161f6db217_0_321:notes"/>
+          <p:cNvPr id="1061" name="Google Shape;1061;g1161f6db217_0_321:notes">
+            <a:extLst>
+              <a:ext uri="{FF2B5EF4-FFF2-40B4-BE49-F238E27FC236}">
+                <a16:creationId xmlns:a16="http://schemas.microsoft.com/office/drawing/2014/main" id="{8B3F3B5E-1103-EA86-634D-D02D265BEC7F}"/>
+              </a:ext>
+            </a:extLst>
+          </p:cNvPr>
           <p:cNvSpPr txBox="1">
             <a:spLocks noGrp="1"/>
           </p:cNvSpPr>
@@ -784,6 +803,11 @@
         </p:txBody>
       </p:sp>
     </p:spTree>
+    <p:extLst>
+      <p:ext uri="{BB962C8B-B14F-4D97-AF65-F5344CB8AC3E}">
+        <p14:creationId xmlns:p14="http://schemas.microsoft.com/office/powerpoint/2010/main" val="4294809"/>
+      </p:ext>
+    </p:extLst>
   </p:cSld>
   <p:clrMapOvr>
     <a:masterClrMapping/>
@@ -791,7 +815,7 @@
 </p:notes>
 </file>
 
-<file path=ppt/notesSlides/notesSlide3.xml><?xml version="1.0" encoding="utf-8"?>
+<file path=ppt/notesSlides/notesSlide2.xml><?xml version="1.0" encoding="utf-8"?>
 <p:notes xmlns:a="http://schemas.openxmlformats.org/drawingml/2006/main" xmlns:r="http://schemas.openxmlformats.org/officeDocument/2006/relationships" xmlns:p="http://schemas.openxmlformats.org/presentationml/2006/main" showMasterSp="0" showMasterPhAnim="0">
   <p:cSld>
     <p:spTree>
@@ -888,11 +912,6 @@
         </p:txBody>
       </p:sp>
     </p:spTree>
-    <p:extLst>
-      <p:ext uri="{BB962C8B-B14F-4D97-AF65-F5344CB8AC3E}">
-        <p14:creationId xmlns:p14="http://schemas.microsoft.com/office/powerpoint/2010/main" val="3507737791"/>
-      </p:ext>
-    </p:extLst>
   </p:cSld>
   <p:clrMapOvr>
     <a:masterClrMapping/>
@@ -900,7 +919,7 @@
 </p:notes>
 </file>
 
-<file path=ppt/notesSlides/notesSlide4.xml><?xml version="1.0" encoding="utf-8"?>
+<file path=ppt/notesSlides/notesSlide3.xml><?xml version="1.0" encoding="utf-8"?>
 <p:notes xmlns:a="http://schemas.openxmlformats.org/drawingml/2006/main" xmlns:r="http://schemas.openxmlformats.org/officeDocument/2006/relationships" xmlns:p="http://schemas.openxmlformats.org/presentationml/2006/main" showMasterSp="0" showMasterPhAnim="0">
   <p:cSld>
     <p:spTree>
@@ -999,7 +1018,7 @@
     </p:spTree>
     <p:extLst>
       <p:ext uri="{BB962C8B-B14F-4D97-AF65-F5344CB8AC3E}">
-        <p14:creationId xmlns:p14="http://schemas.microsoft.com/office/powerpoint/2010/main" val="2608113703"/>
+        <p14:creationId xmlns:p14="http://schemas.microsoft.com/office/powerpoint/2010/main" val="3507737791"/>
       </p:ext>
     </p:extLst>
   </p:cSld>
@@ -1009,7 +1028,7 @@
 </p:notes>
 </file>
 
-<file path=ppt/notesSlides/notesSlide5.xml><?xml version="1.0" encoding="utf-8"?>
+<file path=ppt/notesSlides/notesSlide4.xml><?xml version="1.0" encoding="utf-8"?>
 <p:notes xmlns:a="http://schemas.openxmlformats.org/drawingml/2006/main" xmlns:r="http://schemas.openxmlformats.org/officeDocument/2006/relationships" xmlns:p="http://schemas.openxmlformats.org/presentationml/2006/main" showMasterSp="0" showMasterPhAnim="0">
   <p:cSld>
     <p:spTree>
@@ -1108,7 +1127,7 @@
     </p:spTree>
     <p:extLst>
       <p:ext uri="{BB962C8B-B14F-4D97-AF65-F5344CB8AC3E}">
-        <p14:creationId xmlns:p14="http://schemas.microsoft.com/office/powerpoint/2010/main" val="12261583"/>
+        <p14:creationId xmlns:p14="http://schemas.microsoft.com/office/powerpoint/2010/main" val="2608113703"/>
       </p:ext>
     </p:extLst>
   </p:cSld>
@@ -1118,7 +1137,7 @@
 </p:notes>
 </file>
 
-<file path=ppt/notesSlides/notesSlide6.xml><?xml version="1.0" encoding="utf-8"?>
+<file path=ppt/notesSlides/notesSlide5.xml><?xml version="1.0" encoding="utf-8"?>
 <p:notes xmlns:a="http://schemas.openxmlformats.org/drawingml/2006/main" xmlns:r="http://schemas.openxmlformats.org/officeDocument/2006/relationships" xmlns:p="http://schemas.openxmlformats.org/presentationml/2006/main" showMasterSp="0" showMasterPhAnim="0">
   <p:cSld>
     <p:spTree>
@@ -1217,7 +1236,7 @@
     </p:spTree>
     <p:extLst>
       <p:ext uri="{BB962C8B-B14F-4D97-AF65-F5344CB8AC3E}">
-        <p14:creationId xmlns:p14="http://schemas.microsoft.com/office/powerpoint/2010/main" val="2430232485"/>
+        <p14:creationId xmlns:p14="http://schemas.microsoft.com/office/powerpoint/2010/main" val="12261583"/>
       </p:ext>
     </p:extLst>
   </p:cSld>
@@ -1227,12 +1246,18 @@
 </p:notes>
 </file>
 
-<file path=ppt/notesSlides/notesSlide7.xml><?xml version="1.0" encoding="utf-8"?>
+<file path=ppt/notesSlides/notesSlide6.xml><?xml version="1.0" encoding="utf-8"?>
 <p:notes xmlns:a="http://schemas.openxmlformats.org/drawingml/2006/main" xmlns:r="http://schemas.openxmlformats.org/officeDocument/2006/relationships" xmlns:p="http://schemas.openxmlformats.org/presentationml/2006/main" showMasterSp="0" showMasterPhAnim="0">
   <p:cSld>
     <p:spTree>
       <p:nvGrpSpPr>
-        <p:cNvPr id="1" name="Shape 1059"/>
+        <p:cNvPr id="1" name="Shape 1059">
+          <a:extLst>
+            <a:ext uri="{FF2B5EF4-FFF2-40B4-BE49-F238E27FC236}">
+              <a16:creationId xmlns:a16="http://schemas.microsoft.com/office/drawing/2014/main" id="{56ECB8CD-C791-9600-7F6D-662B5FBAA73E}"/>
+            </a:ext>
+          </a:extLst>
+        </p:cNvPr>
         <p:cNvGrpSpPr/>
         <p:nvPr/>
       </p:nvGrpSpPr>
@@ -1246,7 +1271,13 @@
       </p:grpSpPr>
       <p:sp>
         <p:nvSpPr>
-          <p:cNvPr id="1060" name="Google Shape;1060;g1161f6db217_0_321:notes"/>
+          <p:cNvPr id="1060" name="Google Shape;1060;g1161f6db217_0_321:notes">
+            <a:extLst>
+              <a:ext uri="{FF2B5EF4-FFF2-40B4-BE49-F238E27FC236}">
+                <a16:creationId xmlns:a16="http://schemas.microsoft.com/office/drawing/2014/main" id="{3DEA96E8-8560-6809-23E8-E45973C775BF}"/>
+              </a:ext>
+            </a:extLst>
+          </p:cNvPr>
           <p:cNvSpPr>
             <a:spLocks noGrp="1" noRot="1" noChangeAspect="1"/>
           </p:cNvSpPr>
@@ -1287,7 +1318,13 @@
       </p:sp>
       <p:sp>
         <p:nvSpPr>
-          <p:cNvPr id="1061" name="Google Shape;1061;g1161f6db217_0_321:notes"/>
+          <p:cNvPr id="1061" name="Google Shape;1061;g1161f6db217_0_321:notes">
+            <a:extLst>
+              <a:ext uri="{FF2B5EF4-FFF2-40B4-BE49-F238E27FC236}">
+                <a16:creationId xmlns:a16="http://schemas.microsoft.com/office/drawing/2014/main" id="{E83EC79F-D910-15E9-96F8-70416E48D269}"/>
+              </a:ext>
+            </a:extLst>
+          </p:cNvPr>
           <p:cNvSpPr txBox="1">
             <a:spLocks noGrp="1"/>
           </p:cNvSpPr>
@@ -1326,7 +1363,134 @@
     </p:spTree>
     <p:extLst>
       <p:ext uri="{BB962C8B-B14F-4D97-AF65-F5344CB8AC3E}">
-        <p14:creationId xmlns:p14="http://schemas.microsoft.com/office/powerpoint/2010/main" val="1702113226"/>
+        <p14:creationId xmlns:p14="http://schemas.microsoft.com/office/powerpoint/2010/main" val="1474717807"/>
+      </p:ext>
+    </p:extLst>
+  </p:cSld>
+  <p:clrMapOvr>
+    <a:masterClrMapping/>
+  </p:clrMapOvr>
+</p:notes>
+</file>
+
+<file path=ppt/notesSlides/notesSlide7.xml><?xml version="1.0" encoding="utf-8"?>
+<p:notes xmlns:a="http://schemas.openxmlformats.org/drawingml/2006/main" xmlns:r="http://schemas.openxmlformats.org/officeDocument/2006/relationships" xmlns:p="http://schemas.openxmlformats.org/presentationml/2006/main" showMasterSp="0" showMasterPhAnim="0">
+  <p:cSld>
+    <p:spTree>
+      <p:nvGrpSpPr>
+        <p:cNvPr id="1" name="Shape 1059">
+          <a:extLst>
+            <a:ext uri="{FF2B5EF4-FFF2-40B4-BE49-F238E27FC236}">
+              <a16:creationId xmlns:a16="http://schemas.microsoft.com/office/drawing/2014/main" id="{31EAB7A3-82BA-DF3A-BD7F-09AE13DE1497}"/>
+            </a:ext>
+          </a:extLst>
+        </p:cNvPr>
+        <p:cNvGrpSpPr/>
+        <p:nvPr/>
+      </p:nvGrpSpPr>
+      <p:grpSpPr>
+        <a:xfrm>
+          <a:off x="0" y="0"/>
+          <a:ext cx="0" cy="0"/>
+          <a:chOff x="0" y="0"/>
+          <a:chExt cx="0" cy="0"/>
+        </a:xfrm>
+      </p:grpSpPr>
+      <p:sp>
+        <p:nvSpPr>
+          <p:cNvPr id="1060" name="Google Shape;1060;g1161f6db217_0_321:notes">
+            <a:extLst>
+              <a:ext uri="{FF2B5EF4-FFF2-40B4-BE49-F238E27FC236}">
+                <a16:creationId xmlns:a16="http://schemas.microsoft.com/office/drawing/2014/main" id="{5BCC9570-2F4F-1306-E4D6-A4FB45D3A355}"/>
+              </a:ext>
+            </a:extLst>
+          </p:cNvPr>
+          <p:cNvSpPr>
+            <a:spLocks noGrp="1" noRot="1" noChangeAspect="1"/>
+          </p:cNvSpPr>
+          <p:nvPr>
+            <p:ph type="sldImg" idx="2"/>
+          </p:nvPr>
+        </p:nvSpPr>
+        <p:spPr>
+          <a:xfrm>
+            <a:off x="381000" y="685800"/>
+            <a:ext cx="6096000" cy="3429000"/>
+          </a:xfrm>
+          <a:custGeom>
+            <a:avLst/>
+            <a:gdLst/>
+            <a:ahLst/>
+            <a:cxnLst/>
+            <a:rect l="l" t="t" r="r" b="b"/>
+            <a:pathLst>
+              <a:path w="120000" h="120000" extrusionOk="0">
+                <a:moveTo>
+                  <a:pt x="0" y="0"/>
+                </a:moveTo>
+                <a:lnTo>
+                  <a:pt x="120000" y="0"/>
+                </a:lnTo>
+                <a:lnTo>
+                  <a:pt x="120000" y="120000"/>
+                </a:lnTo>
+                <a:lnTo>
+                  <a:pt x="0" y="120000"/>
+                </a:lnTo>
+                <a:close/>
+              </a:path>
+            </a:pathLst>
+          </a:custGeom>
+        </p:spPr>
+      </p:sp>
+      <p:sp>
+        <p:nvSpPr>
+          <p:cNvPr id="1061" name="Google Shape;1061;g1161f6db217_0_321:notes">
+            <a:extLst>
+              <a:ext uri="{FF2B5EF4-FFF2-40B4-BE49-F238E27FC236}">
+                <a16:creationId xmlns:a16="http://schemas.microsoft.com/office/drawing/2014/main" id="{68C81C60-6AFA-5B58-C15B-DFBF974F592C}"/>
+              </a:ext>
+            </a:extLst>
+          </p:cNvPr>
+          <p:cNvSpPr txBox="1">
+            <a:spLocks noGrp="1"/>
+          </p:cNvSpPr>
+          <p:nvPr>
+            <p:ph type="body" idx="1"/>
+          </p:nvPr>
+        </p:nvSpPr>
+        <p:spPr>
+          <a:xfrm>
+            <a:off x="685800" y="4343400"/>
+            <a:ext cx="5486400" cy="4114800"/>
+          </a:xfrm>
+          <a:prstGeom prst="rect">
+            <a:avLst/>
+          </a:prstGeom>
+        </p:spPr>
+        <p:txBody>
+          <a:bodyPr spcFirstLastPara="1" wrap="square" lIns="91425" tIns="91425" rIns="91425" bIns="91425" anchor="t" anchorCtr="0">
+            <a:noAutofit/>
+          </a:bodyPr>
+          <a:lstStyle/>
+          <a:p>
+            <a:pPr marL="0" lvl="0" indent="0" algn="l" rtl="0">
+              <a:spcBef>
+                <a:spcPts val="0"/>
+              </a:spcBef>
+              <a:spcAft>
+                <a:spcPts val="0"/>
+              </a:spcAft>
+              <a:buNone/>
+            </a:pPr>
+            <a:endParaRPr/>
+          </a:p>
+        </p:txBody>
+      </p:sp>
+    </p:spTree>
+    <p:extLst>
+      <p:ext uri="{BB962C8B-B14F-4D97-AF65-F5344CB8AC3E}">
+        <p14:creationId xmlns:p14="http://schemas.microsoft.com/office/powerpoint/2010/main" val="1257486149"/>
       </p:ext>
     </p:extLst>
   </p:cSld>
@@ -1717,7 +1881,7 @@
           <a:p>
             <a:fld id="{1160EA64-D806-43AC-9DF2-F8C432F32B4C}" type="datetimeFigureOut">
               <a:rPr lang="en-US" dirty="0"/>
-              <a:t>11/17/23</a:t>
+              <a:t>1/28/24</a:t>
             </a:fld>
             <a:endParaRPr lang="en-US" dirty="0"/>
           </a:p>
@@ -1889,7 +2053,7 @@
           <a:p>
             <a:fld id="{E9F9C37B-1D36-470B-8223-D6C91242EC14}" type="datetimeFigureOut">
               <a:rPr lang="en-US" dirty="0"/>
-              <a:t>11/17/23</a:t>
+              <a:t>1/28/24</a:t>
             </a:fld>
             <a:endParaRPr lang="en-US" dirty="0"/>
           </a:p>
@@ -2070,7 +2234,7 @@
           <a:p>
             <a:fld id="{67C6F52A-A82B-47A2-A83A-8C4C91F2D59F}" type="datetimeFigureOut">
               <a:rPr lang="en-US" dirty="0"/>
-              <a:t>11/17/23</a:t>
+              <a:t>1/28/24</a:t>
             </a:fld>
             <a:endParaRPr lang="en-US" dirty="0"/>
           </a:p>
@@ -5852,7 +6016,7 @@
           <a:p>
             <a:fld id="{F070A7B3-6521-4DCA-87E5-044747A908C1}" type="datetimeFigureOut">
               <a:rPr lang="en-US" dirty="0"/>
-              <a:t>11/17/23</a:t>
+              <a:t>1/28/24</a:t>
             </a:fld>
             <a:endParaRPr lang="en-US" dirty="0"/>
           </a:p>
@@ -6122,7 +6286,7 @@
           <a:p>
             <a:fld id="{1160EA64-D806-43AC-9DF2-F8C432F32B4C}" type="datetimeFigureOut">
               <a:rPr lang="en-US" dirty="0"/>
-              <a:t>11/17/23</a:t>
+              <a:t>1/28/24</a:t>
             </a:fld>
             <a:endParaRPr lang="en-US" dirty="0"/>
           </a:p>
@@ -6356,7 +6520,7 @@
           <a:p>
             <a:fld id="{AB134690-1557-4C89-A502-4959FE7FAD70}" type="datetimeFigureOut">
               <a:rPr lang="en-US" dirty="0"/>
-              <a:t>11/17/23</a:t>
+              <a:t>1/28/24</a:t>
             </a:fld>
             <a:endParaRPr lang="en-US" dirty="0"/>
           </a:p>
@@ -6716,7 +6880,7 @@
           <a:p>
             <a:fld id="{4F7D4976-E339-4826-83B7-FBD03F55ECF8}" type="datetimeFigureOut">
               <a:rPr lang="en-US" dirty="0"/>
-              <a:t>11/17/23</a:t>
+              <a:t>1/28/24</a:t>
             </a:fld>
             <a:endParaRPr lang="en-US" dirty="0"/>
           </a:p>
@@ -6858,7 +7022,7 @@
           <a:p>
             <a:fld id="{E1037C31-9E7A-4F99-8774-A0E530DE1A42}" type="datetimeFigureOut">
               <a:rPr lang="en-US" dirty="0"/>
-              <a:t>11/17/23</a:t>
+              <a:t>1/28/24</a:t>
             </a:fld>
             <a:endParaRPr lang="en-US" dirty="0"/>
           </a:p>
@@ -6954,7 +7118,7 @@
           <a:p>
             <a:fld id="{C278504F-A551-4DE0-9316-4DCD1D8CC752}" type="datetimeFigureOut">
               <a:rPr lang="en-US" dirty="0"/>
-              <a:t>11/17/23</a:t>
+              <a:t>1/28/24</a:t>
             </a:fld>
             <a:endParaRPr lang="en-US" dirty="0"/>
           </a:p>
@@ -7311,7 +7475,7 @@
           <a:p>
             <a:fld id="{D1BE4249-C0D0-4B06-8692-E8BB871AF643}" type="datetimeFigureOut">
               <a:rPr lang="en-US" dirty="0"/>
-              <a:t>11/17/23</a:t>
+              <a:t>1/28/24</a:t>
             </a:fld>
             <a:endParaRPr lang="en-US" dirty="0"/>
           </a:p>
@@ -7669,7 +7833,7 @@
           <a:p>
             <a:fld id="{042B0DB6-F5C7-45FB-8CF3-31B45F9C2DAC}" type="datetimeFigureOut">
               <a:rPr lang="en-US" dirty="0"/>
-              <a:t>11/17/23</a:t>
+              <a:t>1/28/24</a:t>
             </a:fld>
             <a:endParaRPr lang="en-US" dirty="0"/>
           </a:p>
@@ -7912,7 +8076,7 @@
           <a:p>
             <a:fld id="{1160EA64-D806-43AC-9DF2-F8C432F32B4C}" type="datetimeFigureOut">
               <a:rPr lang="en-US" dirty="0"/>
-              <a:t>11/17/23</a:t>
+              <a:t>1/28/24</a:t>
             </a:fld>
             <a:endParaRPr lang="en-US" dirty="0"/>
           </a:p>
@@ -8354,6 +8518,16 @@
 <file path=ppt/slides/slide1.xml><?xml version="1.0" encoding="utf-8"?>
 <p:sld xmlns:a="http://schemas.openxmlformats.org/drawingml/2006/main" xmlns:r="http://schemas.openxmlformats.org/officeDocument/2006/relationships" xmlns:p="http://schemas.openxmlformats.org/presentationml/2006/main">
   <p:cSld>
+    <p:bg>
+      <p:bgPr>
+        <a:solidFill>
+          <a:schemeClr val="bg1">
+            <a:lumMod val="95000"/>
+          </a:schemeClr>
+        </a:solidFill>
+        <a:effectLst/>
+      </p:bgPr>
+    </p:bg>
     <p:spTree>
       <p:nvGrpSpPr>
         <p:cNvPr id="1" name="Shape 1089"/>
@@ -8379,106 +8553,170 @@
           </p:nvPr>
         </p:nvSpPr>
         <p:spPr>
-          <a:xfrm flipH="1">
-            <a:off x="992362" y="2298648"/>
-            <a:ext cx="9883303" cy="1414400"/>
+          <a:xfrm>
+            <a:off x="6900672" y="978776"/>
+            <a:ext cx="4486656" cy="1174991"/>
           </a:xfrm>
           <a:prstGeom prst="rect">
             <a:avLst/>
           </a:prstGeom>
         </p:spPr>
         <p:txBody>
-          <a:bodyPr spcFirstLastPara="1" wrap="square" lIns="121900" tIns="121900" rIns="121900" bIns="121900" anchor="t" anchorCtr="0">
-            <a:noAutofit/>
+          <a:bodyPr spcFirstLastPara="1" vert="horz" lIns="182880" tIns="182880" rIns="182880" bIns="182880" rtlCol="0" anchor="ctr" anchorCtr="0">
+            <a:normAutofit/>
           </a:bodyPr>
           <a:lstStyle/>
           <a:p>
-            <a:pPr lvl="0"/>
-            <a:r>
-              <a:rPr lang="en-AU" dirty="0"/>
+            <a:pPr lvl="0">
+              <a:lnSpc>
+                <a:spcPct val="90000"/>
+              </a:lnSpc>
+              <a:spcBef>
+                <a:spcPct val="0"/>
+              </a:spcBef>
+            </a:pPr>
+            <a:r>
+              <a:rPr lang="en-US" sz="2400" dirty="0"/>
               <a:t>Remembrance</a:t>
             </a:r>
-            <a:endParaRPr dirty="0"/>
-          </a:p>
-        </p:txBody>
-      </p:sp>
-      <p:sp>
-        <p:nvSpPr>
-          <p:cNvPr id="1091" name="Google Shape;1091;p79"/>
-          <p:cNvSpPr txBox="1">
-            <a:spLocks noGrp="1"/>
-          </p:cNvSpPr>
-          <p:nvPr>
-            <p:ph type="body" idx="1"/>
-          </p:nvPr>
-        </p:nvSpPr>
+          </a:p>
+        </p:txBody>
+      </p:sp>
+      <p:pic>
+        <p:nvPicPr>
+          <p:cNvPr id="1093" name="Picture 1092" descr="Two music sheets folded to form a heart shape">
+            <a:extLst>
+              <a:ext uri="{FF2B5EF4-FFF2-40B4-BE49-F238E27FC236}">
+                <a16:creationId xmlns:a16="http://schemas.microsoft.com/office/drawing/2014/main" id="{29DDADF4-E44A-392F-B150-22E2E4A066E8}"/>
+              </a:ext>
+            </a:extLst>
+          </p:cNvPr>
+          <p:cNvPicPr>
+            <a:picLocks noChangeAspect="1"/>
+          </p:cNvPicPr>
+          <p:nvPr/>
+        </p:nvPicPr>
+        <p:blipFill rotWithShape="1">
+          <a:blip r:embed="rId3"/>
+          <a:srcRect l="28795" r="11962" b="-1"/>
+          <a:stretch/>
+        </p:blipFill>
         <p:spPr>
-          <a:xfrm flipH="1">
-            <a:off x="1154347" y="3713048"/>
-            <a:ext cx="9559331" cy="1269627"/>
+          <a:xfrm>
+            <a:off x="20" y="10"/>
+            <a:ext cx="6086621" cy="6857990"/>
           </a:xfrm>
           <a:prstGeom prst="rect">
             <a:avLst/>
           </a:prstGeom>
         </p:spPr>
-        <p:txBody>
-          <a:bodyPr spcFirstLastPara="1" wrap="square" lIns="121900" tIns="121900" rIns="121900" bIns="121900" anchor="t" anchorCtr="0">
-            <a:noAutofit/>
+      </p:pic>
+      <p:sp>
+        <p:nvSpPr>
+          <p:cNvPr id="1091" name="Google Shape;1091;p79"/>
+          <p:cNvSpPr txBox="1">
+            <a:spLocks noGrp="1"/>
+          </p:cNvSpPr>
+          <p:nvPr>
+            <p:ph type="body" idx="1"/>
+          </p:nvPr>
+        </p:nvSpPr>
+        <p:spPr>
+          <a:xfrm>
+            <a:off x="6900672" y="2640692"/>
+            <a:ext cx="4486656" cy="3255252"/>
+          </a:xfrm>
+          <a:prstGeom prst="rect">
+            <a:avLst/>
+          </a:prstGeom>
+        </p:spPr>
+        <p:txBody>
+          <a:bodyPr spcFirstLastPara="1" vert="horz" lIns="91440" tIns="45720" rIns="91440" bIns="45720" rtlCol="0" anchorCtr="0">
+            <a:normAutofit/>
           </a:bodyPr>
           <a:lstStyle/>
           <a:p>
-            <a:pPr marL="0" indent="0">
+            <a:pPr marL="0" indent="0" algn="l">
+              <a:lnSpc>
+                <a:spcPct val="90000"/>
+              </a:lnSpc>
+              <a:spcBef>
+                <a:spcPts val="1000"/>
+              </a:spcBef>
               <a:buNone/>
             </a:pPr>
             <a:r>
-              <a:rPr lang="en-US" sz="1467" dirty="0"/>
+              <a:rPr lang="en-US" sz="1200" dirty="0"/>
               <a:t>CCLI: Benjamin Hastings, Chris Davenport</a:t>
             </a:r>
           </a:p>
           <a:p>
-            <a:pPr marL="0" indent="0">
+            <a:pPr marL="0" indent="0" algn="l">
+              <a:lnSpc>
+                <a:spcPct val="90000"/>
+              </a:lnSpc>
+              <a:spcBef>
+                <a:spcPts val="1000"/>
+              </a:spcBef>
               <a:buNone/>
             </a:pPr>
             <a:r>
-              <a:rPr lang="en-US" sz="1467" dirty="0"/>
+              <a:rPr lang="en-US" sz="1200" dirty="0"/>
               <a:t>©2017 Hillsong MP Songs (Admin. by Hillsong Music Publishing Australia)</a:t>
             </a:r>
           </a:p>
           <a:p>
-            <a:pPr marL="0" indent="0">
+            <a:pPr marL="0" indent="0" algn="l">
+              <a:lnSpc>
+                <a:spcPct val="90000"/>
+              </a:lnSpc>
+              <a:spcBef>
+                <a:spcPts val="1000"/>
+              </a:spcBef>
               <a:buNone/>
             </a:pPr>
             <a:r>
-              <a:rPr lang="en-US" sz="1467" dirty="0"/>
+              <a:rPr lang="en-US" sz="1200" dirty="0"/>
               <a:t>Hillsong Music Publishing Australia</a:t>
             </a:r>
           </a:p>
           <a:p>
-            <a:pPr marL="0" indent="0">
+            <a:pPr marL="0" indent="0" algn="l">
+              <a:lnSpc>
+                <a:spcPct val="90000"/>
+              </a:lnSpc>
+              <a:spcBef>
+                <a:spcPts val="1000"/>
+              </a:spcBef>
               <a:buNone/>
             </a:pPr>
             <a:r>
-              <a:rPr lang="en-US" sz="1467" dirty="0"/>
+              <a:rPr lang="en-US" sz="1200" dirty="0"/>
               <a:t>CCLI </a:t>
             </a:r>
             <a:r>
-              <a:rPr lang="en-US" sz="1467" dirty="0" err="1"/>
+              <a:rPr lang="en-US" sz="1200" dirty="0" err="1"/>
               <a:t>Licence</a:t>
             </a:r>
             <a:r>
-              <a:rPr lang="en-US" sz="1467" dirty="0"/>
+              <a:rPr lang="en-US" sz="1200" dirty="0"/>
               <a:t> No. 5485849</a:t>
             </a:r>
           </a:p>
           <a:p>
-            <a:pPr marL="0" indent="0">
+            <a:pPr marL="0" indent="0" algn="l">
+              <a:lnSpc>
+                <a:spcPct val="90000"/>
+              </a:lnSpc>
+              <a:spcBef>
+                <a:spcPts val="1000"/>
+              </a:spcBef>
               <a:buNone/>
             </a:pPr>
             <a:r>
-              <a:rPr lang="en-US" sz="1467" dirty="0"/>
+              <a:rPr lang="en-US" sz="1200" dirty="0"/>
               <a:t>7102398</a:t>
             </a:r>
-            <a:endParaRPr sz="1467" dirty="0"/>
           </a:p>
         </p:txBody>
       </p:sp>
@@ -8685,10 +8923,41 @@
           <a:p>
             <a:pPr marL="0" indent="0"/>
             <a:r>
-              <a:rPr lang="en-US" sz="4267"/>
-              <a:t>Tag</a:t>
-            </a:r>
-            <a:endParaRPr lang="en-US" sz="4267" dirty="0"/>
+              <a:rPr lang="en-US" sz="4267" dirty="0"/>
+              <a:t>Post chorus 3</a:t>
+            </a:r>
+          </a:p>
+          <a:p>
+            <a:pPr marL="0" indent="0"/>
+            <a:r>
+              <a:rPr lang="en-US" sz="4267" dirty="0"/>
+              <a:t>Until I see You face to face</a:t>
+            </a:r>
+          </a:p>
+          <a:p>
+            <a:pPr marL="0" indent="0"/>
+            <a:r>
+              <a:rPr lang="en-US" sz="4267" dirty="0"/>
+              <a:t>Until at last I’ve won my race</a:t>
+            </a:r>
+          </a:p>
+          <a:p>
+            <a:pPr marL="0" indent="0"/>
+            <a:r>
+              <a:rPr lang="en-US" sz="4267" dirty="0"/>
+              <a:t>Remind me</a:t>
+            </a:r>
+          </a:p>
+          <a:p>
+            <a:pPr marL="0" indent="0"/>
+            <a:r>
+              <a:rPr lang="en-US" sz="4267" dirty="0" err="1"/>
+              <a:t>Youʼre</a:t>
+            </a:r>
+            <a:r>
+              <a:rPr lang="en-US" sz="4267" dirty="0"/>
+              <a:t> not finished yet</a:t>
+            </a:r>
           </a:p>
         </p:txBody>
       </p:sp>
@@ -8696,6 +8965,102 @@
     <p:extLst>
       <p:ext uri="{BB962C8B-B14F-4D97-AF65-F5344CB8AC3E}">
         <p14:creationId xmlns:p14="http://schemas.microsoft.com/office/powerpoint/2010/main" val="3713479499"/>
+      </p:ext>
+    </p:extLst>
+  </p:cSld>
+  <p:clrMapOvr>
+    <a:masterClrMapping/>
+  </p:clrMapOvr>
+</p:sld>
+</file>
+
+<file path=ppt/slides/slide11.xml><?xml version="1.0" encoding="utf-8"?>
+<p:sld xmlns:a="http://schemas.openxmlformats.org/drawingml/2006/main" xmlns:r="http://schemas.openxmlformats.org/officeDocument/2006/relationships" xmlns:p="http://schemas.openxmlformats.org/presentationml/2006/main">
+  <p:cSld>
+    <p:spTree>
+      <p:nvGrpSpPr>
+        <p:cNvPr id="1" name="Shape 1062">
+          <a:extLst>
+            <a:ext uri="{FF2B5EF4-FFF2-40B4-BE49-F238E27FC236}">
+              <a16:creationId xmlns:a16="http://schemas.microsoft.com/office/drawing/2014/main" id="{C3443294-4CCE-F374-9430-37D2955AA520}"/>
+            </a:ext>
+          </a:extLst>
+        </p:cNvPr>
+        <p:cNvGrpSpPr/>
+        <p:nvPr/>
+      </p:nvGrpSpPr>
+      <p:grpSpPr>
+        <a:xfrm>
+          <a:off x="0" y="0"/>
+          <a:ext cx="0" cy="0"/>
+          <a:chOff x="0" y="0"/>
+          <a:chExt cx="0" cy="0"/>
+        </a:xfrm>
+      </p:grpSpPr>
+      <p:sp>
+        <p:nvSpPr>
+          <p:cNvPr id="1072" name="Google Shape;1072;p77">
+            <a:extLst>
+              <a:ext uri="{FF2B5EF4-FFF2-40B4-BE49-F238E27FC236}">
+                <a16:creationId xmlns:a16="http://schemas.microsoft.com/office/drawing/2014/main" id="{B5927D6D-DADF-54A5-2A6E-2B9A2C02DAE9}"/>
+              </a:ext>
+            </a:extLst>
+          </p:cNvPr>
+          <p:cNvSpPr txBox="1">
+            <a:spLocks noGrp="1"/>
+          </p:cNvSpPr>
+          <p:nvPr>
+            <p:ph type="subTitle" idx="1"/>
+          </p:nvPr>
+        </p:nvSpPr>
+        <p:spPr>
+          <a:xfrm>
+            <a:off x="295073" y="329119"/>
+            <a:ext cx="11601855" cy="6199763"/>
+          </a:xfrm>
+          <a:prstGeom prst="rect">
+            <a:avLst/>
+          </a:prstGeom>
+        </p:spPr>
+        <p:txBody>
+          <a:bodyPr spcFirstLastPara="1" wrap="square" lIns="121900" tIns="121900" rIns="121900" bIns="121900" anchor="t" anchorCtr="0">
+            <a:noAutofit/>
+          </a:bodyPr>
+          <a:lstStyle/>
+          <a:p>
+            <a:pPr marL="0" indent="0"/>
+            <a:r>
+              <a:rPr lang="en-US" sz="4267" dirty="0"/>
+              <a:t>Tag</a:t>
+            </a:r>
+          </a:p>
+          <a:p>
+            <a:pPr marL="0" indent="0"/>
+            <a:r>
+              <a:rPr lang="en-US" sz="4267" dirty="0"/>
+              <a:t>Hallelujah</a:t>
+            </a:r>
+          </a:p>
+          <a:p>
+            <a:pPr marL="0" indent="0"/>
+            <a:r>
+              <a:rPr lang="en-US" sz="4267" dirty="0"/>
+              <a:t>(x3)</a:t>
+            </a:r>
+          </a:p>
+          <a:p>
+            <a:pPr marL="0" indent="0"/>
+            <a:r>
+              <a:rPr lang="en-US" sz="4267" dirty="0"/>
+              <a:t>I’ll live in remembrance</a:t>
+            </a:r>
+          </a:p>
+        </p:txBody>
+      </p:sp>
+    </p:spTree>
+    <p:extLst>
+      <p:ext uri="{BB962C8B-B14F-4D97-AF65-F5344CB8AC3E}">
+        <p14:creationId xmlns:p14="http://schemas.microsoft.com/office/powerpoint/2010/main" val="3392151133"/>
       </p:ext>
     </p:extLst>
   </p:cSld>
@@ -8753,6 +9118,42 @@
               <a:t>Verse 1 </a:t>
             </a:r>
           </a:p>
+          <a:p>
+            <a:pPr marL="0" indent="0"/>
+            <a:r>
+              <a:rPr lang="en-US" sz="4267" dirty="0"/>
+              <a:t>I take the bread of life</a:t>
+            </a:r>
+          </a:p>
+          <a:p>
+            <a:pPr marL="0" indent="0"/>
+            <a:r>
+              <a:rPr lang="en-US" sz="4267" dirty="0"/>
+              <a:t>Broken for all my sin</a:t>
+            </a:r>
+          </a:p>
+          <a:p>
+            <a:pPr marL="0" indent="0"/>
+            <a:r>
+              <a:rPr lang="en-US" sz="4267" dirty="0"/>
+              <a:t>Your body crucified</a:t>
+            </a:r>
+          </a:p>
+          <a:p>
+            <a:pPr marL="0" indent="0"/>
+            <a:r>
+              <a:rPr lang="en-US" sz="4267" dirty="0"/>
+              <a:t>To make me whole again</a:t>
+            </a:r>
+          </a:p>
+          <a:p>
+            <a:pPr marL="0" indent="0"/>
+            <a:endParaRPr lang="en-US" sz="4267" dirty="0"/>
+          </a:p>
+          <a:p>
+            <a:pPr marL="0" indent="0"/>
+            <a:endParaRPr lang="en-US" sz="4267" dirty="0"/>
+          </a:p>
         </p:txBody>
       </p:sp>
     </p:spTree>
@@ -8808,8 +9209,40 @@
             <a:pPr marL="0" indent="0"/>
             <a:r>
               <a:rPr lang="en-US" sz="4267" dirty="0"/>
-              <a:t>Verse 1 </a:t>
-            </a:r>
+              <a:t>Verse 2</a:t>
+            </a:r>
+          </a:p>
+          <a:p>
+            <a:pPr marL="0" indent="0"/>
+            <a:r>
+              <a:rPr lang="en-US" sz="4267" dirty="0"/>
+              <a:t>I will recall the cup</a:t>
+            </a:r>
+          </a:p>
+          <a:p>
+            <a:pPr marL="0" indent="0"/>
+            <a:r>
+              <a:rPr lang="en-US" sz="4267" dirty="0"/>
+              <a:t>Poured out in sacrifice</a:t>
+            </a:r>
+          </a:p>
+          <a:p>
+            <a:pPr marL="0" indent="0"/>
+            <a:r>
+              <a:rPr lang="en-US" sz="4267" dirty="0"/>
+              <a:t>To trade this sinners’ end</a:t>
+            </a:r>
+          </a:p>
+          <a:p>
+            <a:pPr marL="0" indent="0"/>
+            <a:r>
+              <a:rPr lang="en-US" sz="4267" dirty="0"/>
+              <a:t>For Your new covenant</a:t>
+            </a:r>
+          </a:p>
+          <a:p>
+            <a:pPr marL="0" indent="0"/>
+            <a:endParaRPr lang="en-US" sz="4267" dirty="0"/>
           </a:p>
         </p:txBody>
       </p:sp>
@@ -8870,10 +9303,37 @@
           <a:p>
             <a:pPr marL="0" indent="0"/>
             <a:r>
-              <a:rPr lang="en-US" sz="4267" dirty="0" err="1"/>
-              <a:t>Prechorus</a:t>
-            </a:r>
-            <a:endParaRPr lang="en-US" sz="4267" dirty="0"/>
+              <a:rPr lang="en-US" sz="4267" dirty="0"/>
+              <a:t>Chorus</a:t>
+            </a:r>
+          </a:p>
+          <a:p>
+            <a:pPr marL="0" indent="0"/>
+            <a:r>
+              <a:rPr lang="en-US" sz="4267" dirty="0"/>
+              <a:t>Hallelujah</a:t>
+            </a:r>
+          </a:p>
+          <a:p>
+            <a:pPr marL="0" indent="0"/>
+            <a:r>
+              <a:rPr lang="en-US" sz="4267" dirty="0"/>
+              <a:t>I’ll live my life in remembrance</a:t>
+            </a:r>
+          </a:p>
+          <a:p>
+            <a:pPr marL="0" indent="0"/>
+            <a:r>
+              <a:rPr lang="en-US" sz="4267" dirty="0"/>
+              <a:t>Hallelujah</a:t>
+            </a:r>
+          </a:p>
+          <a:p>
+            <a:pPr marL="0" indent="0"/>
+            <a:r>
+              <a:rPr lang="en-US" sz="4267" dirty="0"/>
+              <a:t>Your promise I won’t forget</a:t>
+            </a:r>
           </a:p>
         </p:txBody>
       </p:sp>
@@ -8935,7 +9395,35 @@
             <a:pPr marL="0" indent="0"/>
             <a:r>
               <a:rPr lang="en-US" sz="4267" dirty="0"/>
-              <a:t>Chorus </a:t>
+              <a:t>Verse 3</a:t>
+            </a:r>
+          </a:p>
+          <a:p>
+            <a:pPr marL="0" indent="0"/>
+            <a:r>
+              <a:rPr lang="en-US" sz="4267" dirty="0"/>
+              <a:t>I’ll walk salvation’s road</a:t>
+            </a:r>
+          </a:p>
+          <a:p>
+            <a:pPr marL="0" indent="0"/>
+            <a:r>
+              <a:rPr lang="en-US" sz="4267" dirty="0"/>
+              <a:t>With fear and trembling</a:t>
+            </a:r>
+          </a:p>
+          <a:p>
+            <a:pPr marL="0" indent="0"/>
+            <a:r>
+              <a:rPr lang="en-US" sz="4267" dirty="0"/>
+              <a:t>Your way borne as my own</a:t>
+            </a:r>
+          </a:p>
+          <a:p>
+            <a:pPr marL="0" indent="0"/>
+            <a:r>
+              <a:rPr lang="en-US" sz="4267" dirty="0"/>
+              <a:t>As Christ is formed in me</a:t>
             </a:r>
           </a:p>
         </p:txBody>
@@ -8958,7 +9446,13 @@
   <p:cSld>
     <p:spTree>
       <p:nvGrpSpPr>
-        <p:cNvPr id="1" name="Shape 1062"/>
+        <p:cNvPr id="1" name="Shape 1062">
+          <a:extLst>
+            <a:ext uri="{FF2B5EF4-FFF2-40B4-BE49-F238E27FC236}">
+              <a16:creationId xmlns:a16="http://schemas.microsoft.com/office/drawing/2014/main" id="{76DAF8B4-E84C-F7B7-3693-AAF0273D07D9}"/>
+            </a:ext>
+          </a:extLst>
+        </p:cNvPr>
         <p:cNvGrpSpPr/>
         <p:nvPr/>
       </p:nvGrpSpPr>
@@ -8972,7 +9466,13 @@
       </p:grpSpPr>
       <p:sp>
         <p:nvSpPr>
-          <p:cNvPr id="1072" name="Google Shape;1072;p77"/>
+          <p:cNvPr id="1072" name="Google Shape;1072;p77">
+            <a:extLst>
+              <a:ext uri="{FF2B5EF4-FFF2-40B4-BE49-F238E27FC236}">
+                <a16:creationId xmlns:a16="http://schemas.microsoft.com/office/drawing/2014/main" id="{19A9868C-0D41-48D4-2B72-7331BA42CA9D}"/>
+              </a:ext>
+            </a:extLst>
+          </p:cNvPr>
           <p:cNvSpPr txBox="1">
             <a:spLocks noGrp="1"/>
           </p:cNvSpPr>
@@ -8998,7 +9498,35 @@
             <a:pPr marL="0" indent="0"/>
             <a:r>
               <a:rPr lang="en-US" sz="4267" dirty="0"/>
-              <a:t>Verse 2</a:t>
+              <a:t>Chorus</a:t>
+            </a:r>
+          </a:p>
+          <a:p>
+            <a:pPr marL="0" indent="0"/>
+            <a:r>
+              <a:rPr lang="en-US" sz="4267" dirty="0"/>
+              <a:t>Hallelujah</a:t>
+            </a:r>
+          </a:p>
+          <a:p>
+            <a:pPr marL="0" indent="0"/>
+            <a:r>
+              <a:rPr lang="en-US" sz="4267" dirty="0"/>
+              <a:t>I’ll live my life in remembrance</a:t>
+            </a:r>
+          </a:p>
+          <a:p>
+            <a:pPr marL="0" indent="0"/>
+            <a:r>
+              <a:rPr lang="en-US" sz="4267" dirty="0"/>
+              <a:t>Hallelujah</a:t>
+            </a:r>
+          </a:p>
+          <a:p>
+            <a:pPr marL="0" indent="0"/>
+            <a:r>
+              <a:rPr lang="en-US" sz="4267" dirty="0"/>
+              <a:t>Your promise I won’t forget</a:t>
             </a:r>
           </a:p>
         </p:txBody>
@@ -9006,7 +9534,7 @@
     </p:spTree>
     <p:extLst>
       <p:ext uri="{BB962C8B-B14F-4D97-AF65-F5344CB8AC3E}">
-        <p14:creationId xmlns:p14="http://schemas.microsoft.com/office/powerpoint/2010/main" val="1390980916"/>
+        <p14:creationId xmlns:p14="http://schemas.microsoft.com/office/powerpoint/2010/main" val="1871793216"/>
       </p:ext>
     </p:extLst>
   </p:cSld>
@@ -9021,7 +9549,13 @@
   <p:cSld>
     <p:spTree>
       <p:nvGrpSpPr>
-        <p:cNvPr id="1" name="Shape 1062"/>
+        <p:cNvPr id="1" name="Shape 1062">
+          <a:extLst>
+            <a:ext uri="{FF2B5EF4-FFF2-40B4-BE49-F238E27FC236}">
+              <a16:creationId xmlns:a16="http://schemas.microsoft.com/office/drawing/2014/main" id="{D33D8400-3652-2A7E-E26F-69FF66412DF8}"/>
+            </a:ext>
+          </a:extLst>
+        </p:cNvPr>
         <p:cNvGrpSpPr/>
         <p:nvPr/>
       </p:nvGrpSpPr>
@@ -9035,7 +9569,13 @@
       </p:grpSpPr>
       <p:sp>
         <p:nvSpPr>
-          <p:cNvPr id="1072" name="Google Shape;1072;p77"/>
+          <p:cNvPr id="1072" name="Google Shape;1072;p77">
+            <a:extLst>
+              <a:ext uri="{FF2B5EF4-FFF2-40B4-BE49-F238E27FC236}">
+                <a16:creationId xmlns:a16="http://schemas.microsoft.com/office/drawing/2014/main" id="{05089A0C-ABAD-C792-D590-F5289EB5120A}"/>
+              </a:ext>
+            </a:extLst>
+          </p:cNvPr>
           <p:cNvSpPr txBox="1">
             <a:spLocks noGrp="1"/>
           </p:cNvSpPr>
@@ -9061,15 +9601,54 @@
             <a:pPr marL="0" indent="0"/>
             <a:r>
               <a:rPr lang="en-US" sz="4267" dirty="0"/>
-              <a:t>Chorus </a:t>
-            </a:r>
+              <a:t>Post chorus 1</a:t>
+            </a:r>
+          </a:p>
+          <a:p>
+            <a:pPr marL="0" indent="0"/>
+            <a:r>
+              <a:rPr lang="en-US" sz="4267" dirty="0"/>
+              <a:t>If ever I should lose my way</a:t>
+            </a:r>
+          </a:p>
+          <a:p>
+            <a:pPr marL="0" indent="0"/>
+            <a:r>
+              <a:rPr lang="en-US" sz="4267" dirty="0"/>
+              <a:t>If ever I deny Your grace</a:t>
+            </a:r>
+          </a:p>
+          <a:p>
+            <a:pPr marL="0" indent="0"/>
+            <a:r>
+              <a:rPr lang="en-US" sz="4267" dirty="0"/>
+              <a:t>Remind me of the price You paid</a:t>
+            </a:r>
+          </a:p>
+          <a:p>
+            <a:pPr marL="0" indent="0"/>
+            <a:r>
+              <a:rPr lang="en-US" sz="4267" dirty="0"/>
+              <a:t>Hallelujah</a:t>
+            </a:r>
+          </a:p>
+          <a:p>
+            <a:pPr marL="0" indent="0"/>
+            <a:r>
+              <a:rPr lang="en-US" sz="4267" dirty="0"/>
+              <a:t>I’ll live in remembrance</a:t>
+            </a:r>
+          </a:p>
+          <a:p>
+            <a:pPr marL="0" indent="0"/>
+            <a:endParaRPr lang="en-US" sz="4267" dirty="0"/>
           </a:p>
         </p:txBody>
       </p:sp>
     </p:spTree>
     <p:extLst>
       <p:ext uri="{BB962C8B-B14F-4D97-AF65-F5344CB8AC3E}">
-        <p14:creationId xmlns:p14="http://schemas.microsoft.com/office/powerpoint/2010/main" val="3549348934"/>
+        <p14:creationId xmlns:p14="http://schemas.microsoft.com/office/powerpoint/2010/main" val="3193647484"/>
       </p:ext>
     </p:extLst>
   </p:cSld>
@@ -9125,6 +9704,48 @@
             <a:r>
               <a:rPr lang="en-US" sz="4267" dirty="0"/>
               <a:t>Bridge</a:t>
+            </a:r>
+          </a:p>
+          <a:p>
+            <a:pPr marL="0" indent="0"/>
+            <a:r>
+              <a:rPr lang="en-US" sz="4267" dirty="0"/>
+              <a:t>You’ve been so so good to me</a:t>
+            </a:r>
+          </a:p>
+          <a:p>
+            <a:pPr marL="0" indent="0"/>
+            <a:r>
+              <a:rPr lang="en-US" sz="4267" dirty="0"/>
+              <a:t>You’ve been so so good to me</a:t>
+            </a:r>
+          </a:p>
+          <a:p>
+            <a:pPr marL="0" indent="0"/>
+            <a:r>
+              <a:rPr lang="en-US" sz="4267" dirty="0"/>
+              <a:t>Oh to think where I would be</a:t>
+            </a:r>
+          </a:p>
+          <a:p>
+            <a:pPr marL="0" indent="0"/>
+            <a:r>
+              <a:rPr lang="en-US" sz="4267" dirty="0"/>
+              <a:t>If not for You</a:t>
+            </a:r>
+          </a:p>
+          <a:p>
+            <a:pPr marL="0" indent="0"/>
+            <a:r>
+              <a:rPr lang="en-US" sz="4267" dirty="0"/>
+              <a:t>If not for You</a:t>
+            </a:r>
+          </a:p>
+          <a:p>
+            <a:pPr marL="0" indent="0"/>
+            <a:r>
+              <a:rPr lang="en-US" sz="4267" dirty="0"/>
+              <a:t>(x3)</a:t>
             </a:r>
           </a:p>
         </p:txBody>
@@ -9187,7 +9808,28 @@
             <a:pPr marL="0" indent="0"/>
             <a:r>
               <a:rPr lang="en-US" sz="4267" dirty="0"/>
-              <a:t>Chorus</a:t>
+              <a:t>Post chorus 2</a:t>
+            </a:r>
+          </a:p>
+          <a:p>
+            <a:pPr marL="0" indent="0"/>
+            <a:r>
+              <a:rPr lang="en-US" sz="4267" dirty="0"/>
+              <a:t>As far as heights reach from the depths</a:t>
+            </a:r>
+          </a:p>
+          <a:p>
+            <a:pPr marL="0" indent="0"/>
+            <a:r>
+              <a:rPr lang="en-US" sz="4267" dirty="0"/>
+              <a:t>As far as east is from the west</a:t>
+            </a:r>
+          </a:p>
+          <a:p>
+            <a:pPr marL="0" indent="0"/>
+            <a:r>
+              <a:rPr lang="en-US" sz="4267" dirty="0"/>
+              <a:t>So far Your grace has carried me</a:t>
             </a:r>
           </a:p>
         </p:txBody>
